--- a/00457011-00457118.pptx
+++ b/00457011-00457118.pptx
@@ -7,9 +7,12 @@
   <p:sldIdLst>
     <p:sldId id="256" r:id="rId2"/>
     <p:sldId id="257" r:id="rId3"/>
-    <p:sldId id="258" r:id="rId4"/>
-    <p:sldId id="260" r:id="rId5"/>
-    <p:sldId id="259" r:id="rId6"/>
+    <p:sldId id="261" r:id="rId4"/>
+    <p:sldId id="258" r:id="rId5"/>
+    <p:sldId id="260" r:id="rId6"/>
+    <p:sldId id="259" r:id="rId7"/>
+    <p:sldId id="263" r:id="rId8"/>
+    <p:sldId id="262" r:id="rId9"/>
   </p:sldIdLst>
   <p:sldSz cx="12192000" cy="6858000"/>
   <p:notesSz cx="6858000" cy="9144000"/>
@@ -108,6 +111,11 @@
       </a:defRPr>
     </a:lvl9pPr>
   </p:defaultTextStyle>
+  <p:extLst>
+    <p:ext uri="{EFAFB233-063F-42B5-8137-9DF3F51BA10A}">
+      <p15:sldGuideLst xmlns:p15="http://schemas.microsoft.com/office/powerpoint/2012/main"/>
+    </p:ext>
+  </p:extLst>
 </p:presentation>
 </file>
 
@@ -242,7 +250,7 @@
           <a:p>
             <a:fld id="{49A7C198-A509-4269-9406-8C11DF1E6C25}" type="datetimeFigureOut">
               <a:rPr lang="zh-TW" altLang="en-US" smtClean="0"/>
-              <a:t>2018/5/9</a:t>
+              <a:t>2018/6/19</a:t>
             </a:fld>
             <a:endParaRPr lang="zh-TW" altLang="en-US"/>
           </a:p>
@@ -412,7 +420,7 @@
           <a:p>
             <a:fld id="{49A7C198-A509-4269-9406-8C11DF1E6C25}" type="datetimeFigureOut">
               <a:rPr lang="zh-TW" altLang="en-US" smtClean="0"/>
-              <a:t>2018/5/9</a:t>
+              <a:t>2018/6/19</a:t>
             </a:fld>
             <a:endParaRPr lang="zh-TW" altLang="en-US"/>
           </a:p>
@@ -592,7 +600,7 @@
           <a:p>
             <a:fld id="{49A7C198-A509-4269-9406-8C11DF1E6C25}" type="datetimeFigureOut">
               <a:rPr lang="zh-TW" altLang="en-US" smtClean="0"/>
-              <a:t>2018/5/9</a:t>
+              <a:t>2018/6/19</a:t>
             </a:fld>
             <a:endParaRPr lang="zh-TW" altLang="en-US"/>
           </a:p>
@@ -762,7 +770,7 @@
           <a:p>
             <a:fld id="{49A7C198-A509-4269-9406-8C11DF1E6C25}" type="datetimeFigureOut">
               <a:rPr lang="zh-TW" altLang="en-US" smtClean="0"/>
-              <a:t>2018/5/9</a:t>
+              <a:t>2018/6/19</a:t>
             </a:fld>
             <a:endParaRPr lang="zh-TW" altLang="en-US"/>
           </a:p>
@@ -1008,7 +1016,7 @@
           <a:p>
             <a:fld id="{49A7C198-A509-4269-9406-8C11DF1E6C25}" type="datetimeFigureOut">
               <a:rPr lang="zh-TW" altLang="en-US" smtClean="0"/>
-              <a:t>2018/5/9</a:t>
+              <a:t>2018/6/19</a:t>
             </a:fld>
             <a:endParaRPr lang="zh-TW" altLang="en-US"/>
           </a:p>
@@ -1240,7 +1248,7 @@
           <a:p>
             <a:fld id="{49A7C198-A509-4269-9406-8C11DF1E6C25}" type="datetimeFigureOut">
               <a:rPr lang="zh-TW" altLang="en-US" smtClean="0"/>
-              <a:t>2018/5/9</a:t>
+              <a:t>2018/6/19</a:t>
             </a:fld>
             <a:endParaRPr lang="zh-TW" altLang="en-US"/>
           </a:p>
@@ -1607,7 +1615,7 @@
           <a:p>
             <a:fld id="{49A7C198-A509-4269-9406-8C11DF1E6C25}" type="datetimeFigureOut">
               <a:rPr lang="zh-TW" altLang="en-US" smtClean="0"/>
-              <a:t>2018/5/9</a:t>
+              <a:t>2018/6/19</a:t>
             </a:fld>
             <a:endParaRPr lang="zh-TW" altLang="en-US"/>
           </a:p>
@@ -1725,7 +1733,7 @@
           <a:p>
             <a:fld id="{49A7C198-A509-4269-9406-8C11DF1E6C25}" type="datetimeFigureOut">
               <a:rPr lang="zh-TW" altLang="en-US" smtClean="0"/>
-              <a:t>2018/5/9</a:t>
+              <a:t>2018/6/19</a:t>
             </a:fld>
             <a:endParaRPr lang="zh-TW" altLang="en-US"/>
           </a:p>
@@ -1820,7 +1828,7 @@
           <a:p>
             <a:fld id="{49A7C198-A509-4269-9406-8C11DF1E6C25}" type="datetimeFigureOut">
               <a:rPr lang="zh-TW" altLang="en-US" smtClean="0"/>
-              <a:t>2018/5/9</a:t>
+              <a:t>2018/6/19</a:t>
             </a:fld>
             <a:endParaRPr lang="zh-TW" altLang="en-US"/>
           </a:p>
@@ -2097,7 +2105,7 @@
           <a:p>
             <a:fld id="{49A7C198-A509-4269-9406-8C11DF1E6C25}" type="datetimeFigureOut">
               <a:rPr lang="zh-TW" altLang="en-US" smtClean="0"/>
-              <a:t>2018/5/9</a:t>
+              <a:t>2018/6/19</a:t>
             </a:fld>
             <a:endParaRPr lang="zh-TW" altLang="en-US"/>
           </a:p>
@@ -2350,7 +2358,7 @@
           <a:p>
             <a:fld id="{49A7C198-A509-4269-9406-8C11DF1E6C25}" type="datetimeFigureOut">
               <a:rPr lang="zh-TW" altLang="en-US" smtClean="0"/>
-              <a:t>2018/5/9</a:t>
+              <a:t>2018/6/19</a:t>
             </a:fld>
             <a:endParaRPr lang="zh-TW" altLang="en-US"/>
           </a:p>
@@ -2573,7 +2581,7 @@
           <a:p>
             <a:fld id="{49A7C198-A509-4269-9406-8C11DF1E6C25}" type="datetimeFigureOut">
               <a:rPr lang="zh-TW" altLang="en-US" smtClean="0"/>
-              <a:t>2018/5/9</a:t>
+              <a:t>2018/6/19</a:t>
             </a:fld>
             <a:endParaRPr lang="zh-TW" altLang="en-US"/>
           </a:p>
@@ -3309,6 +3317,455 @@
       </p:grpSpPr>
       <p:sp>
         <p:nvSpPr>
+          <p:cNvPr id="2" name="標題 1"/>
+          <p:cNvSpPr>
+            <a:spLocks noGrp="1"/>
+          </p:cNvSpPr>
+          <p:nvPr>
+            <p:ph type="title"/>
+          </p:nvPr>
+        </p:nvSpPr>
+        <p:spPr/>
+        <p:txBody>
+          <a:bodyPr/>
+          <a:lstStyle/>
+          <a:p>
+            <a:r>
+              <a:rPr lang="zh-TW" altLang="en-US" b="1" dirty="0" smtClean="0">
+                <a:latin typeface="微軟正黑體" panose="020B0604030504040204" pitchFamily="34" charset="-120"/>
+                <a:ea typeface="微軟正黑體" panose="020B0604030504040204" pitchFamily="34" charset="-120"/>
+              </a:rPr>
+              <a:t>架構</a:t>
+            </a:r>
+            <a:r>
+              <a:rPr lang="en-US" altLang="zh-TW" sz="3200" b="1" dirty="0">
+                <a:latin typeface="微軟正黑體" panose="020B0604030504040204" pitchFamily="34" charset="-120"/>
+                <a:ea typeface="微軟正黑體" panose="020B0604030504040204" pitchFamily="34" charset="-120"/>
+              </a:rPr>
+              <a:t>1</a:t>
+            </a:r>
+            <a:endParaRPr lang="zh-TW" altLang="en-US" b="1" dirty="0">
+              <a:latin typeface="微軟正黑體" panose="020B0604030504040204" pitchFamily="34" charset="-120"/>
+              <a:ea typeface="微軟正黑體" panose="020B0604030504040204" pitchFamily="34" charset="-120"/>
+            </a:endParaRPr>
+          </a:p>
+        </p:txBody>
+      </p:sp>
+      <p:pic>
+        <p:nvPicPr>
+          <p:cNvPr id="4" name="圖片 3"/>
+          <p:cNvPicPr>
+            <a:picLocks noChangeAspect="1"/>
+          </p:cNvPicPr>
+          <p:nvPr/>
+        </p:nvPicPr>
+        <p:blipFill>
+          <a:blip r:embed="rId2">
+            <a:extLst>
+              <a:ext uri="{28A0092B-C50C-407E-A947-70E740481C1C}">
+                <a14:useLocalDpi xmlns:a14="http://schemas.microsoft.com/office/drawing/2010/main" val="0"/>
+              </a:ext>
+            </a:extLst>
+          </a:blip>
+          <a:stretch>
+            <a:fillRect/>
+          </a:stretch>
+        </p:blipFill>
+        <p:spPr>
+          <a:xfrm>
+            <a:off x="187037" y="898258"/>
+            <a:ext cx="2524991" cy="927367"/>
+          </a:xfrm>
+          <a:prstGeom prst="rect">
+            <a:avLst/>
+          </a:prstGeom>
+        </p:spPr>
+      </p:pic>
+      <p:sp>
+        <p:nvSpPr>
+          <p:cNvPr id="6" name="圓角矩形 5"/>
+          <p:cNvSpPr/>
+          <p:nvPr/>
+        </p:nvSpPr>
+        <p:spPr>
+          <a:xfrm>
+            <a:off x="4996872" y="2137795"/>
+            <a:ext cx="1828800" cy="979055"/>
+          </a:xfrm>
+          <a:prstGeom prst="roundRect">
+            <a:avLst/>
+          </a:prstGeom>
+          <a:solidFill>
+            <a:schemeClr val="accent6">
+              <a:lumMod val="40000"/>
+              <a:lumOff val="60000"/>
+            </a:schemeClr>
+          </a:solidFill>
+          <a:ln w="28575"/>
+        </p:spPr>
+        <p:style>
+          <a:lnRef idx="2">
+            <a:schemeClr val="accent1">
+              <a:shade val="50000"/>
+            </a:schemeClr>
+          </a:lnRef>
+          <a:fillRef idx="1">
+            <a:schemeClr val="accent1"/>
+          </a:fillRef>
+          <a:effectRef idx="0">
+            <a:schemeClr val="accent1"/>
+          </a:effectRef>
+          <a:fontRef idx="minor">
+            <a:schemeClr val="lt1"/>
+          </a:fontRef>
+        </p:style>
+        <p:txBody>
+          <a:bodyPr rtlCol="0" anchor="ctr"/>
+          <a:lstStyle/>
+          <a:p>
+            <a:pPr algn="ctr"/>
+            <a:r>
+              <a:rPr lang="zh-TW" altLang="en-US" b="1" dirty="0" smtClean="0">
+                <a:solidFill>
+                  <a:schemeClr val="tx1"/>
+                </a:solidFill>
+              </a:rPr>
+              <a:t>首頁</a:t>
+            </a:r>
+            <a:endParaRPr lang="zh-TW" altLang="en-US" b="1" dirty="0">
+              <a:solidFill>
+                <a:schemeClr val="tx1"/>
+              </a:solidFill>
+            </a:endParaRPr>
+          </a:p>
+        </p:txBody>
+      </p:sp>
+      <p:sp>
+        <p:nvSpPr>
+          <p:cNvPr id="7" name="圓角矩形 6"/>
+          <p:cNvSpPr/>
+          <p:nvPr/>
+        </p:nvSpPr>
+        <p:spPr>
+          <a:xfrm>
+            <a:off x="4996872" y="4359561"/>
+            <a:ext cx="1828800" cy="979055"/>
+          </a:xfrm>
+          <a:prstGeom prst="roundRect">
+            <a:avLst/>
+          </a:prstGeom>
+          <a:solidFill>
+            <a:schemeClr val="accent6">
+              <a:lumMod val="40000"/>
+              <a:lumOff val="60000"/>
+            </a:schemeClr>
+          </a:solidFill>
+          <a:ln w="28575"/>
+        </p:spPr>
+        <p:style>
+          <a:lnRef idx="2">
+            <a:schemeClr val="accent1">
+              <a:shade val="50000"/>
+            </a:schemeClr>
+          </a:lnRef>
+          <a:fillRef idx="1">
+            <a:schemeClr val="accent1"/>
+          </a:fillRef>
+          <a:effectRef idx="0">
+            <a:schemeClr val="accent1"/>
+          </a:effectRef>
+          <a:fontRef idx="minor">
+            <a:schemeClr val="lt1"/>
+          </a:fontRef>
+        </p:style>
+        <p:txBody>
+          <a:bodyPr rtlCol="0" anchor="ctr"/>
+          <a:lstStyle/>
+          <a:p>
+            <a:pPr algn="ctr"/>
+            <a:r>
+              <a:rPr lang="en-US" altLang="zh-TW" b="1" dirty="0" smtClean="0">
+                <a:solidFill>
+                  <a:schemeClr val="tx1"/>
+                </a:solidFill>
+              </a:rPr>
+              <a:t>Map</a:t>
+            </a:r>
+            <a:r>
+              <a:rPr lang="zh-TW" altLang="en-US" b="1" dirty="0">
+                <a:solidFill>
+                  <a:schemeClr val="tx1"/>
+                </a:solidFill>
+              </a:rPr>
+              <a:t>頁</a:t>
+            </a:r>
+            <a:r>
+              <a:rPr lang="zh-TW" altLang="en-US" b="1" dirty="0" smtClean="0">
+                <a:solidFill>
+                  <a:schemeClr val="tx1"/>
+                </a:solidFill>
+              </a:rPr>
+              <a:t>面</a:t>
+            </a:r>
+            <a:endParaRPr lang="zh-TW" altLang="en-US" b="1" dirty="0">
+              <a:solidFill>
+                <a:schemeClr val="tx1"/>
+              </a:solidFill>
+            </a:endParaRPr>
+          </a:p>
+        </p:txBody>
+      </p:sp>
+      <p:sp>
+        <p:nvSpPr>
+          <p:cNvPr id="8" name="圓角矩形 7"/>
+          <p:cNvSpPr/>
+          <p:nvPr/>
+        </p:nvSpPr>
+        <p:spPr>
+          <a:xfrm>
+            <a:off x="2281380" y="4359561"/>
+            <a:ext cx="1828800" cy="979055"/>
+          </a:xfrm>
+          <a:prstGeom prst="roundRect">
+            <a:avLst/>
+          </a:prstGeom>
+          <a:solidFill>
+            <a:schemeClr val="accent6">
+              <a:lumMod val="40000"/>
+              <a:lumOff val="60000"/>
+            </a:schemeClr>
+          </a:solidFill>
+          <a:ln w="28575"/>
+        </p:spPr>
+        <p:style>
+          <a:lnRef idx="2">
+            <a:schemeClr val="accent1">
+              <a:shade val="50000"/>
+            </a:schemeClr>
+          </a:lnRef>
+          <a:fillRef idx="1">
+            <a:schemeClr val="accent1"/>
+          </a:fillRef>
+          <a:effectRef idx="0">
+            <a:schemeClr val="accent1"/>
+          </a:effectRef>
+          <a:fontRef idx="minor">
+            <a:schemeClr val="lt1"/>
+          </a:fontRef>
+        </p:style>
+        <p:txBody>
+          <a:bodyPr rtlCol="0" anchor="ctr"/>
+          <a:lstStyle/>
+          <a:p>
+            <a:pPr algn="ctr"/>
+            <a:r>
+              <a:rPr lang="en-US" altLang="zh-TW" b="1" dirty="0" smtClean="0">
+                <a:solidFill>
+                  <a:schemeClr val="tx1"/>
+                </a:solidFill>
+              </a:rPr>
+              <a:t>Calendar</a:t>
+            </a:r>
+            <a:r>
+              <a:rPr lang="zh-TW" altLang="en-US" b="1" dirty="0" smtClean="0">
+                <a:solidFill>
+                  <a:schemeClr val="tx1"/>
+                </a:solidFill>
+              </a:rPr>
+              <a:t>頁面</a:t>
+            </a:r>
+            <a:endParaRPr lang="zh-TW" altLang="en-US" b="1" dirty="0">
+              <a:solidFill>
+                <a:schemeClr val="tx1"/>
+              </a:solidFill>
+            </a:endParaRPr>
+          </a:p>
+        </p:txBody>
+      </p:sp>
+      <p:sp>
+        <p:nvSpPr>
+          <p:cNvPr id="9" name="圓角矩形 8"/>
+          <p:cNvSpPr/>
+          <p:nvPr/>
+        </p:nvSpPr>
+        <p:spPr>
+          <a:xfrm>
+            <a:off x="7712364" y="4359560"/>
+            <a:ext cx="1828800" cy="979055"/>
+          </a:xfrm>
+          <a:prstGeom prst="roundRect">
+            <a:avLst/>
+          </a:prstGeom>
+          <a:solidFill>
+            <a:schemeClr val="accent6">
+              <a:lumMod val="40000"/>
+              <a:lumOff val="60000"/>
+            </a:schemeClr>
+          </a:solidFill>
+          <a:ln w="28575"/>
+        </p:spPr>
+        <p:style>
+          <a:lnRef idx="2">
+            <a:schemeClr val="accent1">
+              <a:shade val="50000"/>
+            </a:schemeClr>
+          </a:lnRef>
+          <a:fillRef idx="1">
+            <a:schemeClr val="accent1"/>
+          </a:fillRef>
+          <a:effectRef idx="0">
+            <a:schemeClr val="accent1"/>
+          </a:effectRef>
+          <a:fontRef idx="minor">
+            <a:schemeClr val="lt1"/>
+          </a:fontRef>
+        </p:style>
+        <p:txBody>
+          <a:bodyPr rtlCol="0" anchor="ctr"/>
+          <a:lstStyle/>
+          <a:p>
+            <a:pPr algn="ctr"/>
+            <a:r>
+              <a:rPr lang="en-US" altLang="zh-TW" b="1" dirty="0" smtClean="0">
+                <a:solidFill>
+                  <a:schemeClr val="tx1"/>
+                </a:solidFill>
+              </a:rPr>
+              <a:t>Resources</a:t>
+            </a:r>
+            <a:r>
+              <a:rPr lang="zh-TW" altLang="en-US" b="1" dirty="0" smtClean="0">
+                <a:solidFill>
+                  <a:schemeClr val="tx1"/>
+                </a:solidFill>
+              </a:rPr>
+              <a:t>頁面</a:t>
+            </a:r>
+            <a:endParaRPr lang="zh-TW" altLang="en-US" b="1" dirty="0">
+              <a:solidFill>
+                <a:schemeClr val="tx1"/>
+              </a:solidFill>
+            </a:endParaRPr>
+          </a:p>
+        </p:txBody>
+      </p:sp>
+      <p:cxnSp>
+        <p:nvCxnSpPr>
+          <p:cNvPr id="13" name="肘形接點 12"/>
+          <p:cNvCxnSpPr/>
+          <p:nvPr/>
+        </p:nvCxnSpPr>
+        <p:spPr>
+          <a:xfrm rot="5400000" flipH="1" flipV="1">
+            <a:off x="5911272" y="1644067"/>
+            <a:ext cx="1" cy="5430984"/>
+          </a:xfrm>
+          <a:prstGeom prst="bentConnector3">
+            <a:avLst>
+              <a:gd name="adj1" fmla="val 22860100000"/>
+            </a:avLst>
+          </a:prstGeom>
+          <a:ln w="28575">
+            <a:solidFill>
+              <a:schemeClr val="tx2"/>
+            </a:solidFill>
+            <a:headEnd type="triangle"/>
+            <a:tailEnd type="triangle"/>
+          </a:ln>
+        </p:spPr>
+        <p:style>
+          <a:lnRef idx="1">
+            <a:schemeClr val="accent1"/>
+          </a:lnRef>
+          <a:fillRef idx="0">
+            <a:schemeClr val="accent1"/>
+          </a:fillRef>
+          <a:effectRef idx="0">
+            <a:schemeClr val="accent1"/>
+          </a:effectRef>
+          <a:fontRef idx="minor">
+            <a:schemeClr val="tx1"/>
+          </a:fontRef>
+        </p:style>
+      </p:cxnSp>
+      <p:cxnSp>
+        <p:nvCxnSpPr>
+          <p:cNvPr id="18" name="直線單箭頭接點 17"/>
+          <p:cNvCxnSpPr>
+            <a:stCxn id="6" idx="2"/>
+            <a:endCxn id="7" idx="0"/>
+          </p:cNvCxnSpPr>
+          <p:nvPr/>
+        </p:nvCxnSpPr>
+        <p:spPr>
+          <a:xfrm>
+            <a:off x="5911272" y="3116850"/>
+            <a:ext cx="0" cy="1242711"/>
+          </a:xfrm>
+          <a:prstGeom prst="straightConnector1">
+            <a:avLst/>
+          </a:prstGeom>
+          <a:ln w="28575">
+            <a:solidFill>
+              <a:schemeClr val="tx2"/>
+            </a:solidFill>
+            <a:tailEnd type="triangle"/>
+          </a:ln>
+        </p:spPr>
+        <p:style>
+          <a:lnRef idx="1">
+            <a:schemeClr val="accent1"/>
+          </a:lnRef>
+          <a:fillRef idx="0">
+            <a:schemeClr val="accent1"/>
+          </a:fillRef>
+          <a:effectRef idx="0">
+            <a:schemeClr val="accent1"/>
+          </a:effectRef>
+          <a:fontRef idx="minor">
+            <a:schemeClr val="tx1"/>
+          </a:fontRef>
+        </p:style>
+      </p:cxnSp>
+    </p:spTree>
+    <p:extLst>
+      <p:ext uri="{BB962C8B-B14F-4D97-AF65-F5344CB8AC3E}">
+        <p14:creationId xmlns:p14="http://schemas.microsoft.com/office/powerpoint/2010/main" val="2640784321"/>
+      </p:ext>
+    </p:extLst>
+  </p:cSld>
+  <p:clrMapOvr>
+    <a:masterClrMapping/>
+  </p:clrMapOvr>
+  <p:timing>
+    <p:tnLst>
+      <p:par>
+        <p:cTn id="1" dur="indefinite" restart="never" nodeType="tmRoot"/>
+      </p:par>
+    </p:tnLst>
+  </p:timing>
+</p:sld>
+</file>
+
+<file path=ppt/slides/slide4.xml><?xml version="1.0" encoding="utf-8"?>
+<p:sld xmlns:a="http://schemas.openxmlformats.org/drawingml/2006/main" xmlns:r="http://schemas.openxmlformats.org/officeDocument/2006/relationships" xmlns:p="http://schemas.openxmlformats.org/presentationml/2006/main">
+  <p:cSld>
+    <p:spTree>
+      <p:nvGrpSpPr>
+        <p:cNvPr id="1" name=""/>
+        <p:cNvGrpSpPr/>
+        <p:nvPr/>
+      </p:nvGrpSpPr>
+      <p:grpSpPr>
+        <a:xfrm>
+          <a:off x="0" y="0"/>
+          <a:ext cx="0" cy="0"/>
+          <a:chOff x="0" y="0"/>
+          <a:chExt cx="0" cy="0"/>
+        </a:xfrm>
+      </p:grpSpPr>
+      <p:sp>
+        <p:nvSpPr>
           <p:cNvPr id="8" name="圓角矩形 7"/>
           <p:cNvSpPr/>
           <p:nvPr/>
@@ -3430,6 +3887,13 @@
                 <a:ea typeface="微軟正黑體" panose="020B0604030504040204" pitchFamily="34" charset="-120"/>
               </a:rPr>
               <a:t>架構</a:t>
+            </a:r>
+            <a:r>
+              <a:rPr lang="en-US" altLang="zh-TW" sz="3200" b="1" dirty="0" smtClean="0">
+                <a:latin typeface="微軟正黑體" panose="020B0604030504040204" pitchFamily="34" charset="-120"/>
+                <a:ea typeface="微軟正黑體" panose="020B0604030504040204" pitchFamily="34" charset="-120"/>
+              </a:rPr>
+              <a:t>2</a:t>
             </a:r>
             <a:r>
               <a:rPr lang="en-US" altLang="zh-TW" b="1" dirty="0" smtClean="0">
@@ -3789,7 +4253,7 @@
 </p:sld>
 </file>
 
-<file path=ppt/slides/slide4.xml><?xml version="1.0" encoding="utf-8"?>
+<file path=ppt/slides/slide5.xml><?xml version="1.0" encoding="utf-8"?>
 <p:sld xmlns:a="http://schemas.openxmlformats.org/drawingml/2006/main" xmlns:r="http://schemas.openxmlformats.org/officeDocument/2006/relationships" xmlns:p="http://schemas.openxmlformats.org/presentationml/2006/main">
   <p:cSld>
     <p:spTree>
@@ -3993,7 +4457,7 @@
 </p:sld>
 </file>
 
-<file path=ppt/slides/slide5.xml><?xml version="1.0" encoding="utf-8"?>
+<file path=ppt/slides/slide6.xml><?xml version="1.0" encoding="utf-8"?>
 <p:sld xmlns:a="http://schemas.openxmlformats.org/drawingml/2006/main" xmlns:r="http://schemas.openxmlformats.org/officeDocument/2006/relationships" xmlns:p="http://schemas.openxmlformats.org/presentationml/2006/main">
   <p:cSld>
     <p:spTree>
@@ -4135,6 +4599,537 @@
     <p:extLst>
       <p:ext uri="{BB962C8B-B14F-4D97-AF65-F5344CB8AC3E}">
         <p14:creationId xmlns:p14="http://schemas.microsoft.com/office/powerpoint/2010/main" val="3390324944"/>
+      </p:ext>
+    </p:extLst>
+  </p:cSld>
+  <p:clrMapOvr>
+    <a:masterClrMapping/>
+  </p:clrMapOvr>
+  <p:timing>
+    <p:tnLst>
+      <p:par>
+        <p:cTn id="1" dur="indefinite" restart="never" nodeType="tmRoot"/>
+      </p:par>
+    </p:tnLst>
+  </p:timing>
+</p:sld>
+</file>
+
+<file path=ppt/slides/slide7.xml><?xml version="1.0" encoding="utf-8"?>
+<p:sld xmlns:a="http://schemas.openxmlformats.org/drawingml/2006/main" xmlns:r="http://schemas.openxmlformats.org/officeDocument/2006/relationships" xmlns:p="http://schemas.openxmlformats.org/presentationml/2006/main">
+  <p:cSld>
+    <p:spTree>
+      <p:nvGrpSpPr>
+        <p:cNvPr id="1" name=""/>
+        <p:cNvGrpSpPr/>
+        <p:nvPr/>
+      </p:nvGrpSpPr>
+      <p:grpSpPr>
+        <a:xfrm>
+          <a:off x="0" y="0"/>
+          <a:ext cx="0" cy="0"/>
+          <a:chOff x="0" y="0"/>
+          <a:chExt cx="0" cy="0"/>
+        </a:xfrm>
+      </p:grpSpPr>
+      <p:sp>
+        <p:nvSpPr>
+          <p:cNvPr id="2" name="標題 1"/>
+          <p:cNvSpPr>
+            <a:spLocks noGrp="1"/>
+          </p:cNvSpPr>
+          <p:nvPr>
+            <p:ph type="title"/>
+          </p:nvPr>
+        </p:nvSpPr>
+        <p:spPr/>
+        <p:txBody>
+          <a:bodyPr/>
+          <a:lstStyle/>
+          <a:p>
+            <a:r>
+              <a:rPr lang="zh-TW" altLang="en-US" b="1" dirty="0" smtClean="0">
+                <a:latin typeface="微軟正黑體" panose="020B0604030504040204" pitchFamily="34" charset="-120"/>
+                <a:ea typeface="微軟正黑體" panose="020B0604030504040204" pitchFamily="34" charset="-120"/>
+              </a:rPr>
+              <a:t>分</a:t>
+            </a:r>
+            <a:r>
+              <a:rPr lang="zh-TW" altLang="en-US" b="1" dirty="0">
+                <a:latin typeface="微軟正黑體" panose="020B0604030504040204" pitchFamily="34" charset="-120"/>
+                <a:ea typeface="微軟正黑體" panose="020B0604030504040204" pitchFamily="34" charset="-120"/>
+              </a:rPr>
+              <a:t>工</a:t>
+            </a:r>
+            <a:endParaRPr lang="zh-TW" altLang="en-US" b="1" dirty="0">
+              <a:latin typeface="微軟正黑體" panose="020B0604030504040204" pitchFamily="34" charset="-120"/>
+              <a:ea typeface="微軟正黑體" panose="020B0604030504040204" pitchFamily="34" charset="-120"/>
+            </a:endParaRPr>
+          </a:p>
+        </p:txBody>
+      </p:sp>
+      <p:pic>
+        <p:nvPicPr>
+          <p:cNvPr id="4" name="圖片 3"/>
+          <p:cNvPicPr>
+            <a:picLocks noChangeAspect="1"/>
+          </p:cNvPicPr>
+          <p:nvPr/>
+        </p:nvPicPr>
+        <p:blipFill>
+          <a:blip r:embed="rId2">
+            <a:extLst>
+              <a:ext uri="{28A0092B-C50C-407E-A947-70E740481C1C}">
+                <a14:useLocalDpi xmlns:a14="http://schemas.microsoft.com/office/drawing/2010/main" val="0"/>
+              </a:ext>
+            </a:extLst>
+          </a:blip>
+          <a:stretch>
+            <a:fillRect/>
+          </a:stretch>
+        </p:blipFill>
+        <p:spPr>
+          <a:xfrm>
+            <a:off x="187037" y="898258"/>
+            <a:ext cx="2524991" cy="927367"/>
+          </a:xfrm>
+          <a:prstGeom prst="rect">
+            <a:avLst/>
+          </a:prstGeom>
+        </p:spPr>
+      </p:pic>
+      <p:graphicFrame>
+        <p:nvGraphicFramePr>
+          <p:cNvPr id="6" name="內容版面配置區 5"/>
+          <p:cNvGraphicFramePr>
+            <a:graphicFrameLocks noGrp="1"/>
+          </p:cNvGraphicFramePr>
+          <p:nvPr>
+            <p:ph idx="1"/>
+            <p:extLst>
+              <p:ext uri="{D42A27DB-BD31-4B8C-83A1-F6EECF244321}">
+                <p14:modId xmlns:p14="http://schemas.microsoft.com/office/powerpoint/2010/main" val="1562772990"/>
+              </p:ext>
+            </p:extLst>
+          </p:nvPr>
+        </p:nvGraphicFramePr>
+        <p:xfrm>
+          <a:off x="764309" y="2490643"/>
+          <a:ext cx="10938164" cy="1737360"/>
+        </p:xfrm>
+        <a:graphic>
+          <a:graphicData uri="http://schemas.openxmlformats.org/drawingml/2006/table">
+            <a:tbl>
+              <a:tblPr firstRow="1" bandRow="1">
+                <a:tableStyleId>{16D9F66E-5EB9-4882-86FB-DCBF35E3C3E4}</a:tableStyleId>
+              </a:tblPr>
+              <a:tblGrid>
+                <a:gridCol w="1572491">
+                  <a:extLst>
+                    <a:ext uri="{9D8B030D-6E8A-4147-A177-3AD203B41FA5}">
+                      <a16:colId xmlns:a16="http://schemas.microsoft.com/office/drawing/2014/main" val="2955695152"/>
+                    </a:ext>
+                  </a:extLst>
+                </a:gridCol>
+                <a:gridCol w="9365673">
+                  <a:extLst>
+                    <a:ext uri="{9D8B030D-6E8A-4147-A177-3AD203B41FA5}">
+                      <a16:colId xmlns:a16="http://schemas.microsoft.com/office/drawing/2014/main" val="1604320623"/>
+                    </a:ext>
+                  </a:extLst>
+                </a:gridCol>
+              </a:tblGrid>
+              <a:tr h="370840">
+                <a:tc>
+                  <a:txBody>
+                    <a:bodyPr/>
+                    <a:lstStyle/>
+                    <a:p>
+                      <a:pPr algn="ctr"/>
+                      <a:r>
+                        <a:rPr lang="zh-TW" altLang="en-US" sz="3200" dirty="0" smtClean="0"/>
+                        <a:t>成員</a:t>
+                      </a:r>
+                      <a:endParaRPr lang="zh-TW" altLang="en-US" sz="3200" dirty="0"/>
+                    </a:p>
+                  </a:txBody>
+                  <a:tcPr>
+                    <a:solidFill>
+                      <a:schemeClr val="accent6">
+                        <a:lumMod val="20000"/>
+                        <a:lumOff val="80000"/>
+                      </a:schemeClr>
+                    </a:solidFill>
+                  </a:tcPr>
+                </a:tc>
+                <a:tc>
+                  <a:txBody>
+                    <a:bodyPr/>
+                    <a:lstStyle/>
+                    <a:p>
+                      <a:pPr algn="ctr"/>
+                      <a:r>
+                        <a:rPr lang="zh-TW" altLang="en-US" sz="3200" dirty="0" smtClean="0"/>
+                        <a:t>分工情形</a:t>
+                      </a:r>
+                      <a:endParaRPr lang="zh-TW" altLang="en-US" sz="3200" dirty="0"/>
+                    </a:p>
+                  </a:txBody>
+                  <a:tcPr>
+                    <a:solidFill>
+                      <a:schemeClr val="accent6">
+                        <a:lumMod val="20000"/>
+                        <a:lumOff val="80000"/>
+                      </a:schemeClr>
+                    </a:solidFill>
+                  </a:tcPr>
+                </a:tc>
+                <a:extLst>
+                  <a:ext uri="{0D108BD9-81ED-4DB2-BD59-A6C34878D82A}">
+                    <a16:rowId xmlns:a16="http://schemas.microsoft.com/office/drawing/2014/main" val="2554953506"/>
+                  </a:ext>
+                </a:extLst>
+              </a:tr>
+              <a:tr h="370840">
+                <a:tc>
+                  <a:txBody>
+                    <a:bodyPr/>
+                    <a:lstStyle/>
+                    <a:p>
+                      <a:pPr algn="ctr"/>
+                      <a:r>
+                        <a:rPr lang="zh-TW" altLang="en-US" sz="3200" dirty="0" smtClean="0"/>
+                        <a:t>許翔淋</a:t>
+                      </a:r>
+                      <a:endParaRPr lang="zh-TW" altLang="en-US" sz="3200" dirty="0"/>
+                    </a:p>
+                  </a:txBody>
+                  <a:tcPr>
+                    <a:solidFill>
+                      <a:schemeClr val="accent6">
+                        <a:lumMod val="20000"/>
+                        <a:lumOff val="80000"/>
+                      </a:schemeClr>
+                    </a:solidFill>
+                  </a:tcPr>
+                </a:tc>
+                <a:tc>
+                  <a:txBody>
+                    <a:bodyPr/>
+                    <a:lstStyle/>
+                    <a:p>
+                      <a:pPr marL="0" marR="0" indent="0" algn="l" defTabSz="914400" rtl="0" eaLnBrk="1" fontAlgn="auto" latinLnBrk="0" hangingPunct="1">
+                        <a:lnSpc>
+                          <a:spcPct val="100000"/>
+                        </a:lnSpc>
+                        <a:spcBef>
+                          <a:spcPts val="0"/>
+                        </a:spcBef>
+                        <a:spcAft>
+                          <a:spcPts val="0"/>
+                        </a:spcAft>
+                        <a:buClrTx/>
+                        <a:buSzTx/>
+                        <a:buFontTx/>
+                        <a:buNone/>
+                        <a:tabLst/>
+                        <a:defRPr/>
+                      </a:pPr>
+                      <a:r>
+                        <a:rPr lang="en-US" altLang="zh-TW" sz="3200" dirty="0" err="1" smtClean="0"/>
+                        <a:t>FullCalendar</a:t>
+                      </a:r>
+                      <a:r>
+                        <a:rPr lang="zh-TW" altLang="en-US" sz="3200" dirty="0" smtClean="0"/>
+                        <a:t>、前後端整合、期中簡報製作</a:t>
+                      </a:r>
+                      <a:endParaRPr lang="en-US" altLang="zh-TW" sz="3200" dirty="0" smtClean="0"/>
+                    </a:p>
+                  </a:txBody>
+                  <a:tcPr>
+                    <a:solidFill>
+                      <a:schemeClr val="accent6">
+                        <a:lumMod val="20000"/>
+                        <a:lumOff val="80000"/>
+                      </a:schemeClr>
+                    </a:solidFill>
+                  </a:tcPr>
+                </a:tc>
+                <a:extLst>
+                  <a:ext uri="{0D108BD9-81ED-4DB2-BD59-A6C34878D82A}">
+                    <a16:rowId xmlns:a16="http://schemas.microsoft.com/office/drawing/2014/main" val="3882587281"/>
+                  </a:ext>
+                </a:extLst>
+              </a:tr>
+              <a:tr h="370840">
+                <a:tc>
+                  <a:txBody>
+                    <a:bodyPr/>
+                    <a:lstStyle/>
+                    <a:p>
+                      <a:pPr algn="ctr"/>
+                      <a:r>
+                        <a:rPr lang="zh-TW" altLang="en-US" sz="3200" dirty="0" smtClean="0"/>
+                        <a:t>柯翊偉</a:t>
+                      </a:r>
+                      <a:endParaRPr lang="zh-TW" altLang="en-US" sz="3200" dirty="0"/>
+                    </a:p>
+                  </a:txBody>
+                  <a:tcPr>
+                    <a:solidFill>
+                      <a:schemeClr val="accent6">
+                        <a:lumMod val="20000"/>
+                        <a:lumOff val="80000"/>
+                      </a:schemeClr>
+                    </a:solidFill>
+                  </a:tcPr>
+                </a:tc>
+                <a:tc>
+                  <a:txBody>
+                    <a:bodyPr/>
+                    <a:lstStyle/>
+                    <a:p>
+                      <a:pPr marL="0" marR="0" indent="0" algn="l" defTabSz="914400" rtl="0" eaLnBrk="1" fontAlgn="auto" latinLnBrk="0" hangingPunct="1">
+                        <a:lnSpc>
+                          <a:spcPct val="100000"/>
+                        </a:lnSpc>
+                        <a:spcBef>
+                          <a:spcPts val="0"/>
+                        </a:spcBef>
+                        <a:spcAft>
+                          <a:spcPts val="0"/>
+                        </a:spcAft>
+                        <a:buClrTx/>
+                        <a:buSzTx/>
+                        <a:buFontTx/>
+                        <a:buNone/>
+                        <a:tabLst/>
+                        <a:defRPr/>
+                      </a:pPr>
+                      <a:r>
+                        <a:rPr lang="en-US" altLang="zh-TW" sz="3200" dirty="0" smtClean="0"/>
+                        <a:t>Google Maps </a:t>
+                      </a:r>
+                      <a:r>
+                        <a:rPr lang="en-US" altLang="zh-TW" sz="3200" dirty="0" err="1" smtClean="0"/>
+                        <a:t>Javascript</a:t>
+                      </a:r>
+                      <a:r>
+                        <a:rPr lang="en-US" altLang="zh-TW" sz="3200" dirty="0" smtClean="0"/>
+                        <a:t> API</a:t>
+                      </a:r>
+                      <a:r>
+                        <a:rPr lang="zh-TW" altLang="en-US" sz="3200" dirty="0" smtClean="0"/>
+                        <a:t>、</a:t>
+                      </a:r>
+                      <a:r>
+                        <a:rPr lang="en-US" altLang="zh-TW" sz="3200" dirty="0" smtClean="0"/>
+                        <a:t>UI</a:t>
+                      </a:r>
+                      <a:r>
+                        <a:rPr lang="zh-TW" altLang="en-US" sz="3200" dirty="0" smtClean="0"/>
+                        <a:t>設計、期末簡報製作</a:t>
+                      </a:r>
+                      <a:endParaRPr lang="en-US" altLang="zh-TW" sz="3200" dirty="0" smtClean="0"/>
+                    </a:p>
+                  </a:txBody>
+                  <a:tcPr>
+                    <a:solidFill>
+                      <a:schemeClr val="accent6">
+                        <a:lumMod val="20000"/>
+                        <a:lumOff val="80000"/>
+                      </a:schemeClr>
+                    </a:solidFill>
+                  </a:tcPr>
+                </a:tc>
+                <a:extLst>
+                  <a:ext uri="{0D108BD9-81ED-4DB2-BD59-A6C34878D82A}">
+                    <a16:rowId xmlns:a16="http://schemas.microsoft.com/office/drawing/2014/main" val="669843368"/>
+                  </a:ext>
+                </a:extLst>
+              </a:tr>
+            </a:tbl>
+          </a:graphicData>
+        </a:graphic>
+      </p:graphicFrame>
+    </p:spTree>
+    <p:extLst>
+      <p:ext uri="{BB962C8B-B14F-4D97-AF65-F5344CB8AC3E}">
+        <p14:creationId xmlns:p14="http://schemas.microsoft.com/office/powerpoint/2010/main" val="46903636"/>
+      </p:ext>
+    </p:extLst>
+  </p:cSld>
+  <p:clrMapOvr>
+    <a:masterClrMapping/>
+  </p:clrMapOvr>
+  <p:timing>
+    <p:tnLst>
+      <p:par>
+        <p:cTn id="1" dur="indefinite" restart="never" nodeType="tmRoot"/>
+      </p:par>
+    </p:tnLst>
+  </p:timing>
+</p:sld>
+</file>
+
+<file path=ppt/slides/slide8.xml><?xml version="1.0" encoding="utf-8"?>
+<p:sld xmlns:a="http://schemas.openxmlformats.org/drawingml/2006/main" xmlns:r="http://schemas.openxmlformats.org/officeDocument/2006/relationships" xmlns:p="http://schemas.openxmlformats.org/presentationml/2006/main">
+  <p:cSld>
+    <p:spTree>
+      <p:nvGrpSpPr>
+        <p:cNvPr id="1" name=""/>
+        <p:cNvGrpSpPr/>
+        <p:nvPr/>
+      </p:nvGrpSpPr>
+      <p:grpSpPr>
+        <a:xfrm>
+          <a:off x="0" y="0"/>
+          <a:ext cx="0" cy="0"/>
+          <a:chOff x="0" y="0"/>
+          <a:chExt cx="0" cy="0"/>
+        </a:xfrm>
+      </p:grpSpPr>
+      <p:sp>
+        <p:nvSpPr>
+          <p:cNvPr id="2" name="標題 1"/>
+          <p:cNvSpPr>
+            <a:spLocks noGrp="1"/>
+          </p:cNvSpPr>
+          <p:nvPr>
+            <p:ph type="title"/>
+          </p:nvPr>
+        </p:nvSpPr>
+        <p:spPr/>
+        <p:txBody>
+          <a:bodyPr/>
+          <a:lstStyle/>
+          <a:p>
+            <a:r>
+              <a:rPr lang="zh-TW" altLang="en-US" b="1" dirty="0" smtClean="0">
+                <a:latin typeface="微軟正黑體" panose="020B0604030504040204" pitchFamily="34" charset="-120"/>
+                <a:ea typeface="微軟正黑體" panose="020B0604030504040204" pitchFamily="34" charset="-120"/>
+              </a:rPr>
+              <a:t>專案</a:t>
+            </a:r>
+            <a:r>
+              <a:rPr lang="en-US" altLang="zh-TW" b="1" dirty="0" smtClean="0">
+                <a:latin typeface="微軟正黑體" panose="020B0604030504040204" pitchFamily="34" charset="-120"/>
+                <a:ea typeface="微軟正黑體" panose="020B0604030504040204" pitchFamily="34" charset="-120"/>
+              </a:rPr>
+              <a:t>demo</a:t>
+            </a:r>
+            <a:endParaRPr lang="zh-TW" altLang="en-US" b="1" dirty="0">
+              <a:latin typeface="微軟正黑體" panose="020B0604030504040204" pitchFamily="34" charset="-120"/>
+              <a:ea typeface="微軟正黑體" panose="020B0604030504040204" pitchFamily="34" charset="-120"/>
+            </a:endParaRPr>
+          </a:p>
+        </p:txBody>
+      </p:sp>
+      <p:pic>
+        <p:nvPicPr>
+          <p:cNvPr id="4" name="圖片 3"/>
+          <p:cNvPicPr>
+            <a:picLocks noChangeAspect="1"/>
+          </p:cNvPicPr>
+          <p:nvPr/>
+        </p:nvPicPr>
+        <p:blipFill>
+          <a:blip r:embed="rId2">
+            <a:extLst>
+              <a:ext uri="{28A0092B-C50C-407E-A947-70E740481C1C}">
+                <a14:useLocalDpi xmlns:a14="http://schemas.microsoft.com/office/drawing/2010/main" val="0"/>
+              </a:ext>
+            </a:extLst>
+          </a:blip>
+          <a:stretch>
+            <a:fillRect/>
+          </a:stretch>
+        </p:blipFill>
+        <p:spPr>
+          <a:xfrm>
+            <a:off x="187037" y="898258"/>
+            <a:ext cx="2524991" cy="927367"/>
+          </a:xfrm>
+          <a:prstGeom prst="rect">
+            <a:avLst/>
+          </a:prstGeom>
+        </p:spPr>
+      </p:pic>
+      <p:pic>
+        <p:nvPicPr>
+          <p:cNvPr id="6" name="圖片 5">
+            <a:hlinkClick r:id="rId3"/>
+          </p:cNvPr>
+          <p:cNvPicPr>
+            <a:picLocks noChangeAspect="1"/>
+          </p:cNvPicPr>
+          <p:nvPr/>
+        </p:nvPicPr>
+        <p:blipFill>
+          <a:blip r:embed="rId4">
+            <a:extLst>
+              <a:ext uri="{28A0092B-C50C-407E-A947-70E740481C1C}">
+                <a14:useLocalDpi xmlns:a14="http://schemas.microsoft.com/office/drawing/2010/main" val="0"/>
+              </a:ext>
+            </a:extLst>
+          </a:blip>
+          <a:stretch>
+            <a:fillRect/>
+          </a:stretch>
+        </p:blipFill>
+        <p:spPr>
+          <a:xfrm>
+            <a:off x="187037" y="1687513"/>
+            <a:ext cx="6846741" cy="4784003"/>
+          </a:xfrm>
+          <a:prstGeom prst="rect">
+            <a:avLst/>
+          </a:prstGeom>
+        </p:spPr>
+      </p:pic>
+      <p:sp>
+        <p:nvSpPr>
+          <p:cNvPr id="7" name="文字方塊 6"/>
+          <p:cNvSpPr txBox="1"/>
+          <p:nvPr/>
+        </p:nvSpPr>
+        <p:spPr>
+          <a:xfrm>
+            <a:off x="7176655" y="1690688"/>
+            <a:ext cx="4828308" cy="830997"/>
+          </a:xfrm>
+          <a:prstGeom prst="rect">
+            <a:avLst/>
+          </a:prstGeom>
+          <a:noFill/>
+        </p:spPr>
+        <p:txBody>
+          <a:bodyPr wrap="square" rtlCol="0">
+            <a:spAutoFit/>
+          </a:bodyPr>
+          <a:lstStyle/>
+          <a:p>
+            <a:r>
+              <a:rPr lang="zh-TW" altLang="en-US" sz="2400" dirty="0" smtClean="0"/>
+              <a:t>前往連結↓</a:t>
+            </a:r>
+            <a:endParaRPr lang="en-US" altLang="zh-TW" sz="2400" dirty="0" smtClean="0"/>
+          </a:p>
+          <a:p>
+            <a:r>
+              <a:rPr lang="en-US" altLang="zh-TW" sz="2400" dirty="0">
+                <a:hlinkClick r:id="rId3"/>
+              </a:rPr>
+              <a:t>https://isr10132.github.io/TripMap/</a:t>
+            </a:r>
+            <a:endParaRPr lang="zh-TW" altLang="en-US" sz="2400" dirty="0"/>
+          </a:p>
+        </p:txBody>
+      </p:sp>
+    </p:spTree>
+    <p:extLst>
+      <p:ext uri="{BB962C8B-B14F-4D97-AF65-F5344CB8AC3E}">
+        <p14:creationId xmlns:p14="http://schemas.microsoft.com/office/powerpoint/2010/main" val="4043426092"/>
       </p:ext>
     </p:extLst>
   </p:cSld>

--- a/00457011-00457118.pptx
+++ b/00457011-00457118.pptx
@@ -3235,13 +3235,13 @@
               <a:buNone/>
             </a:pPr>
             <a:r>
-              <a:rPr lang="zh-TW" altLang="en-US" sz="4800" dirty="0" smtClean="0">
+              <a:rPr lang="zh-TW" altLang="en-US" sz="7200" b="1" dirty="0" smtClean="0">
                 <a:latin typeface="微軟正黑體" panose="020B0604030504040204" pitchFamily="34" charset="-120"/>
                 <a:ea typeface="微軟正黑體" panose="020B0604030504040204" pitchFamily="34" charset="-120"/>
               </a:rPr>
               <a:t>旅遊</a:t>
             </a:r>
-            <a:endParaRPr lang="zh-TW" altLang="en-US" sz="4800" dirty="0">
+            <a:endParaRPr lang="zh-TW" altLang="en-US" sz="7200" b="1" dirty="0">
               <a:latin typeface="微軟正黑體" panose="020B0604030504040204" pitchFamily="34" charset="-120"/>
               <a:ea typeface="微軟正黑體" panose="020B0604030504040204" pitchFamily="34" charset="-120"/>
             </a:endParaRPr>
@@ -4661,10 +4661,6 @@
               </a:rPr>
               <a:t>工</a:t>
             </a:r>
-            <a:endParaRPr lang="zh-TW" altLang="en-US" b="1" dirty="0">
-              <a:latin typeface="微軟正黑體" panose="020B0604030504040204" pitchFamily="34" charset="-120"/>
-              <a:ea typeface="微軟正黑體" panose="020B0604030504040204" pitchFamily="34" charset="-120"/>
-            </a:endParaRPr>
           </a:p>
         </p:txBody>
       </p:sp>
